--- a/er_diagram.pptx
+++ b/er_diagram.pptx
@@ -288,7 +288,7 @@
           <a:p>
             <a:fld id="{62B774ED-75CA-423B-8D71-168E4B24BFAB}" type="datetimeFigureOut">
               <a:rPr lang="en-US" smtClean="0"/>
-              <a:t>4/28/2014</a:t>
+              <a:t>5/2/2014</a:t>
             </a:fld>
             <a:endParaRPr lang="en-US"/>
           </a:p>
@@ -458,7 +458,7 @@
           <a:p>
             <a:fld id="{62B774ED-75CA-423B-8D71-168E4B24BFAB}" type="datetimeFigureOut">
               <a:rPr lang="en-US" smtClean="0"/>
-              <a:t>4/28/2014</a:t>
+              <a:t>5/2/2014</a:t>
             </a:fld>
             <a:endParaRPr lang="en-US"/>
           </a:p>
@@ -638,7 +638,7 @@
           <a:p>
             <a:fld id="{62B774ED-75CA-423B-8D71-168E4B24BFAB}" type="datetimeFigureOut">
               <a:rPr lang="en-US" smtClean="0"/>
-              <a:t>4/28/2014</a:t>
+              <a:t>5/2/2014</a:t>
             </a:fld>
             <a:endParaRPr lang="en-US"/>
           </a:p>
@@ -808,7 +808,7 @@
           <a:p>
             <a:fld id="{62B774ED-75CA-423B-8D71-168E4B24BFAB}" type="datetimeFigureOut">
               <a:rPr lang="en-US" smtClean="0"/>
-              <a:t>4/28/2014</a:t>
+              <a:t>5/2/2014</a:t>
             </a:fld>
             <a:endParaRPr lang="en-US"/>
           </a:p>
@@ -1054,7 +1054,7 @@
           <a:p>
             <a:fld id="{62B774ED-75CA-423B-8D71-168E4B24BFAB}" type="datetimeFigureOut">
               <a:rPr lang="en-US" smtClean="0"/>
-              <a:t>4/28/2014</a:t>
+              <a:t>5/2/2014</a:t>
             </a:fld>
             <a:endParaRPr lang="en-US"/>
           </a:p>
@@ -1342,7 +1342,7 @@
           <a:p>
             <a:fld id="{62B774ED-75CA-423B-8D71-168E4B24BFAB}" type="datetimeFigureOut">
               <a:rPr lang="en-US" smtClean="0"/>
-              <a:t>4/28/2014</a:t>
+              <a:t>5/2/2014</a:t>
             </a:fld>
             <a:endParaRPr lang="en-US"/>
           </a:p>
@@ -1764,7 +1764,7 @@
           <a:p>
             <a:fld id="{62B774ED-75CA-423B-8D71-168E4B24BFAB}" type="datetimeFigureOut">
               <a:rPr lang="en-US" smtClean="0"/>
-              <a:t>4/28/2014</a:t>
+              <a:t>5/2/2014</a:t>
             </a:fld>
             <a:endParaRPr lang="en-US"/>
           </a:p>
@@ -1882,7 +1882,7 @@
           <a:p>
             <a:fld id="{62B774ED-75CA-423B-8D71-168E4B24BFAB}" type="datetimeFigureOut">
               <a:rPr lang="en-US" smtClean="0"/>
-              <a:t>4/28/2014</a:t>
+              <a:t>5/2/2014</a:t>
             </a:fld>
             <a:endParaRPr lang="en-US"/>
           </a:p>
@@ -1977,7 +1977,7 @@
           <a:p>
             <a:fld id="{62B774ED-75CA-423B-8D71-168E4B24BFAB}" type="datetimeFigureOut">
               <a:rPr lang="en-US" smtClean="0"/>
-              <a:t>4/28/2014</a:t>
+              <a:t>5/2/2014</a:t>
             </a:fld>
             <a:endParaRPr lang="en-US"/>
           </a:p>
@@ -2254,7 +2254,7 @@
           <a:p>
             <a:fld id="{62B774ED-75CA-423B-8D71-168E4B24BFAB}" type="datetimeFigureOut">
               <a:rPr lang="en-US" smtClean="0"/>
-              <a:t>4/28/2014</a:t>
+              <a:t>5/2/2014</a:t>
             </a:fld>
             <a:endParaRPr lang="en-US"/>
           </a:p>
@@ -2507,7 +2507,7 @@
           <a:p>
             <a:fld id="{62B774ED-75CA-423B-8D71-168E4B24BFAB}" type="datetimeFigureOut">
               <a:rPr lang="en-US" smtClean="0"/>
-              <a:t>4/28/2014</a:t>
+              <a:t>5/2/2014</a:t>
             </a:fld>
             <a:endParaRPr lang="en-US"/>
           </a:p>
@@ -2720,7 +2720,7 @@
           <a:p>
             <a:fld id="{62B774ED-75CA-423B-8D71-168E4B24BFAB}" type="datetimeFigureOut">
               <a:rPr lang="en-US" smtClean="0"/>
-              <a:t>4/28/2014</a:t>
+              <a:t>5/2/2014</a:t>
             </a:fld>
             <a:endParaRPr lang="en-US"/>
           </a:p>
@@ -3103,8 +3103,8 @@
         </p:nvSpPr>
         <p:spPr>
           <a:xfrm>
-            <a:off x="1930234" y="1707415"/>
-            <a:ext cx="1881673" cy="685800"/>
+            <a:off x="1973699" y="1707415"/>
+            <a:ext cx="1817364" cy="516451"/>
           </a:xfrm>
           <a:prstGeom prst="rect">
             <a:avLst/>
@@ -3112,18 +3112,16 @@
         </p:spPr>
         <p:style>
           <a:lnRef idx="2">
-            <a:schemeClr val="accent2">
-              <a:shade val="50000"/>
-            </a:schemeClr>
+            <a:schemeClr val="dk1"/>
           </a:lnRef>
           <a:fillRef idx="1">
-            <a:schemeClr val="accent2"/>
+            <a:schemeClr val="lt1"/>
           </a:fillRef>
           <a:effectRef idx="0">
-            <a:schemeClr val="accent2"/>
+            <a:schemeClr val="dk1"/>
           </a:effectRef>
           <a:fontRef idx="minor">
-            <a:schemeClr val="lt1"/>
+            <a:schemeClr val="dk1"/>
           </a:fontRef>
         </p:style>
         <p:txBody>
@@ -3131,7 +3129,11 @@
           <a:lstStyle/>
           <a:p>
             <a:pPr algn="ctr"/>
-            <a:endParaRPr lang="en-US"/>
+            <a:r>
+              <a:rPr lang="en-US" b="1" dirty="0" smtClean="0"/>
+              <a:t>USER</a:t>
+            </a:r>
+            <a:endParaRPr lang="en-US" b="1" dirty="0"/>
           </a:p>
         </p:txBody>
       </p:sp>
@@ -3143,8 +3145,8 @@
         </p:nvSpPr>
         <p:spPr>
           <a:xfrm>
-            <a:off x="6015683" y="1727104"/>
-            <a:ext cx="1881673" cy="685800"/>
+            <a:off x="6015684" y="1727104"/>
+            <a:ext cx="1817364" cy="516451"/>
           </a:xfrm>
           <a:prstGeom prst="rect">
             <a:avLst/>
@@ -3152,18 +3154,16 @@
         </p:spPr>
         <p:style>
           <a:lnRef idx="2">
-            <a:schemeClr val="accent2">
-              <a:shade val="50000"/>
-            </a:schemeClr>
+            <a:schemeClr val="dk1"/>
           </a:lnRef>
           <a:fillRef idx="1">
-            <a:schemeClr val="accent2"/>
+            <a:schemeClr val="lt1"/>
           </a:fillRef>
           <a:effectRef idx="0">
-            <a:schemeClr val="accent2"/>
+            <a:schemeClr val="dk1"/>
           </a:effectRef>
           <a:fontRef idx="minor">
-            <a:schemeClr val="lt1"/>
+            <a:schemeClr val="dk1"/>
           </a:fontRef>
         </p:style>
         <p:txBody>
@@ -3187,8 +3187,8 @@
         </p:nvSpPr>
         <p:spPr>
           <a:xfrm>
-            <a:off x="4037748" y="4313163"/>
-            <a:ext cx="1881673" cy="685800"/>
+            <a:off x="4037749" y="4313163"/>
+            <a:ext cx="1817364" cy="516451"/>
           </a:xfrm>
           <a:prstGeom prst="rect">
             <a:avLst/>
@@ -3196,18 +3196,16 @@
         </p:spPr>
         <p:style>
           <a:lnRef idx="2">
-            <a:schemeClr val="accent2">
-              <a:shade val="50000"/>
-            </a:schemeClr>
+            <a:schemeClr val="dk1"/>
           </a:lnRef>
           <a:fillRef idx="1">
-            <a:schemeClr val="accent2"/>
+            <a:schemeClr val="lt1"/>
           </a:fillRef>
           <a:effectRef idx="0">
-            <a:schemeClr val="accent2"/>
+            <a:schemeClr val="dk1"/>
           </a:effectRef>
           <a:fontRef idx="minor">
-            <a:schemeClr val="lt1"/>
+            <a:schemeClr val="dk1"/>
           </a:fontRef>
         </p:style>
         <p:txBody>
@@ -3220,44 +3218,6 @@
               <a:t>PRODUCT</a:t>
             </a:r>
             <a:endParaRPr lang="en-US" b="1" dirty="0"/>
-          </a:p>
-        </p:txBody>
-      </p:sp>
-      <p:sp>
-        <p:nvSpPr>
-          <p:cNvPr id="7" name="TextBox 6"/>
-          <p:cNvSpPr txBox="1"/>
-          <p:nvPr/>
-        </p:nvSpPr>
-        <p:spPr>
-          <a:xfrm>
-            <a:off x="2225197" y="1914924"/>
-            <a:ext cx="1361051" cy="369332"/>
-          </a:xfrm>
-          <a:prstGeom prst="rect">
-            <a:avLst/>
-          </a:prstGeom>
-          <a:noFill/>
-        </p:spPr>
-        <p:txBody>
-          <a:bodyPr wrap="square" rtlCol="0">
-            <a:spAutoFit/>
-          </a:bodyPr>
-          <a:lstStyle/>
-          <a:p>
-            <a:r>
-              <a:rPr lang="en-US" b="1" dirty="0" smtClean="0">
-                <a:solidFill>
-                  <a:schemeClr val="bg1"/>
-                </a:solidFill>
-              </a:rPr>
-              <a:t>USER</a:t>
-            </a:r>
-            <a:endParaRPr lang="en-US" b="1" dirty="0">
-              <a:solidFill>
-                <a:schemeClr val="bg1"/>
-              </a:solidFill>
-            </a:endParaRPr>
           </a:p>
         </p:txBody>
       </p:sp>
@@ -3270,7 +3230,7 @@
         <p:spPr>
           <a:xfrm>
             <a:off x="2871070" y="427153"/>
-            <a:ext cx="1390802" cy="685800"/>
+            <a:ext cx="1343269" cy="516451"/>
           </a:xfrm>
           <a:prstGeom prst="ellipse">
             <a:avLst/>
@@ -3278,18 +3238,16 @@
         </p:spPr>
         <p:style>
           <a:lnRef idx="2">
-            <a:schemeClr val="accent3">
-              <a:shade val="50000"/>
-            </a:schemeClr>
+            <a:schemeClr val="dk1"/>
           </a:lnRef>
           <a:fillRef idx="1">
-            <a:schemeClr val="accent3"/>
+            <a:schemeClr val="lt1"/>
           </a:fillRef>
           <a:effectRef idx="0">
-            <a:schemeClr val="accent3"/>
+            <a:schemeClr val="dk1"/>
           </a:effectRef>
           <a:fontRef idx="minor">
-            <a:schemeClr val="lt1"/>
+            <a:schemeClr val="dk1"/>
           </a:fontRef>
         </p:style>
         <p:txBody>
@@ -3314,7 +3272,7 @@
         <p:spPr>
           <a:xfrm>
             <a:off x="4037748" y="1144429"/>
-            <a:ext cx="1390802" cy="685800"/>
+            <a:ext cx="1343269" cy="516451"/>
           </a:xfrm>
           <a:prstGeom prst="ellipse">
             <a:avLst/>
@@ -3322,18 +3280,16 @@
         </p:spPr>
         <p:style>
           <a:lnRef idx="2">
-            <a:schemeClr val="accent3">
-              <a:shade val="50000"/>
-            </a:schemeClr>
+            <a:schemeClr val="dk1"/>
           </a:lnRef>
           <a:fillRef idx="1">
-            <a:schemeClr val="accent3"/>
+            <a:schemeClr val="lt1"/>
           </a:fillRef>
           <a:effectRef idx="0">
-            <a:schemeClr val="accent3"/>
+            <a:schemeClr val="dk1"/>
           </a:effectRef>
           <a:fontRef idx="minor">
-            <a:schemeClr val="lt1"/>
+            <a:schemeClr val="dk1"/>
           </a:fontRef>
         </p:style>
         <p:txBody>
@@ -3358,7 +3314,7 @@
         <p:spPr>
           <a:xfrm>
             <a:off x="1045381" y="427153"/>
-            <a:ext cx="1390802" cy="685800"/>
+            <a:ext cx="1343269" cy="516451"/>
           </a:xfrm>
           <a:prstGeom prst="ellipse">
             <a:avLst/>
@@ -3366,18 +3322,16 @@
         </p:spPr>
         <p:style>
           <a:lnRef idx="2">
-            <a:schemeClr val="accent3">
-              <a:shade val="50000"/>
-            </a:schemeClr>
+            <a:schemeClr val="dk1"/>
           </a:lnRef>
           <a:fillRef idx="1">
-            <a:schemeClr val="accent3"/>
+            <a:schemeClr val="lt1"/>
           </a:fillRef>
           <a:effectRef idx="0">
-            <a:schemeClr val="accent3"/>
+            <a:schemeClr val="dk1"/>
           </a:effectRef>
           <a:fontRef idx="minor">
-            <a:schemeClr val="lt1"/>
+            <a:schemeClr val="dk1"/>
           </a:fontRef>
         </p:style>
         <p:txBody>
@@ -3402,7 +3356,7 @@
         <p:spPr>
           <a:xfrm>
             <a:off x="157334" y="1244862"/>
-            <a:ext cx="1390802" cy="685800"/>
+            <a:ext cx="1343269" cy="516451"/>
           </a:xfrm>
           <a:prstGeom prst="ellipse">
             <a:avLst/>
@@ -3410,18 +3364,16 @@
         </p:spPr>
         <p:style>
           <a:lnRef idx="2">
-            <a:schemeClr val="accent3">
-              <a:shade val="50000"/>
-            </a:schemeClr>
+            <a:schemeClr val="dk1"/>
           </a:lnRef>
           <a:fillRef idx="1">
-            <a:schemeClr val="accent3"/>
+            <a:schemeClr val="lt1"/>
           </a:fillRef>
           <a:effectRef idx="0">
-            <a:schemeClr val="accent3"/>
+            <a:schemeClr val="dk1"/>
           </a:effectRef>
           <a:fontRef idx="minor">
-            <a:schemeClr val="lt1"/>
+            <a:schemeClr val="dk1"/>
           </a:fontRef>
         </p:style>
         <p:txBody>
@@ -3445,8 +3397,8 @@
         </p:nvSpPr>
         <p:spPr>
           <a:xfrm>
-            <a:off x="6956520" y="718582"/>
-            <a:ext cx="1390802" cy="685800"/>
+            <a:off x="7719241" y="945033"/>
+            <a:ext cx="1343269" cy="516451"/>
           </a:xfrm>
           <a:prstGeom prst="ellipse">
             <a:avLst/>
@@ -3454,18 +3406,16 @@
         </p:spPr>
         <p:style>
           <a:lnRef idx="2">
-            <a:schemeClr val="accent3">
-              <a:shade val="50000"/>
-            </a:schemeClr>
+            <a:schemeClr val="dk1"/>
           </a:lnRef>
           <a:fillRef idx="1">
-            <a:schemeClr val="accent3"/>
+            <a:schemeClr val="lt1"/>
           </a:fillRef>
           <a:effectRef idx="0">
-            <a:schemeClr val="accent3"/>
+            <a:schemeClr val="dk1"/>
           </a:effectRef>
           <a:fontRef idx="minor">
-            <a:schemeClr val="lt1"/>
+            <a:schemeClr val="dk1"/>
           </a:fontRef>
         </p:style>
         <p:txBody>
@@ -3474,10 +3424,10 @@
           <a:p>
             <a:pPr algn="ctr"/>
             <a:r>
-              <a:rPr lang="en-US" b="1" u="sng" dirty="0" smtClean="0"/>
+              <a:rPr lang="en-US" b="1" dirty="0" smtClean="0"/>
               <a:t>NAME</a:t>
             </a:r>
-            <a:endParaRPr lang="en-US" b="1" u="sng" dirty="0"/>
+            <a:endParaRPr lang="en-US" b="1" dirty="0"/>
           </a:p>
         </p:txBody>
       </p:sp>
@@ -3489,8 +3439,8 @@
         </p:nvSpPr>
         <p:spPr>
           <a:xfrm>
-            <a:off x="6677503" y="2800716"/>
-            <a:ext cx="2209800" cy="685800"/>
+            <a:off x="6652102" y="2522135"/>
+            <a:ext cx="2134277" cy="516451"/>
           </a:xfrm>
           <a:prstGeom prst="ellipse">
             <a:avLst/>
@@ -3498,18 +3448,16 @@
         </p:spPr>
         <p:style>
           <a:lnRef idx="2">
-            <a:schemeClr val="accent3">
-              <a:shade val="50000"/>
-            </a:schemeClr>
+            <a:schemeClr val="dk1"/>
           </a:lnRef>
           <a:fillRef idx="1">
-            <a:schemeClr val="accent3"/>
+            <a:schemeClr val="lt1"/>
           </a:fillRef>
           <a:effectRef idx="0">
-            <a:schemeClr val="accent3"/>
+            <a:schemeClr val="dk1"/>
           </a:effectRef>
           <a:fontRef idx="minor">
-            <a:schemeClr val="lt1"/>
+            <a:schemeClr val="dk1"/>
           </a:fontRef>
         </p:style>
         <p:txBody>
@@ -3533,8 +3481,8 @@
         </p:nvSpPr>
         <p:spPr>
           <a:xfrm>
-            <a:off x="5952926" y="5399949"/>
-            <a:ext cx="1390802" cy="685800"/>
+            <a:off x="5308833" y="5663001"/>
+            <a:ext cx="1343269" cy="516451"/>
           </a:xfrm>
           <a:prstGeom prst="ellipse">
             <a:avLst/>
@@ -3542,18 +3490,16 @@
         </p:spPr>
         <p:style>
           <a:lnRef idx="2">
-            <a:schemeClr val="accent3">
-              <a:shade val="50000"/>
-            </a:schemeClr>
+            <a:schemeClr val="dk1"/>
           </a:lnRef>
           <a:fillRef idx="1">
-            <a:schemeClr val="accent3"/>
+            <a:schemeClr val="lt1"/>
           </a:fillRef>
           <a:effectRef idx="0">
-            <a:schemeClr val="accent3"/>
+            <a:schemeClr val="dk1"/>
           </a:effectRef>
           <a:fontRef idx="minor">
-            <a:schemeClr val="lt1"/>
+            <a:schemeClr val="dk1"/>
           </a:fontRef>
         </p:style>
         <p:txBody>
@@ -3577,8 +3523,8 @@
         </p:nvSpPr>
         <p:spPr>
           <a:xfrm>
-            <a:off x="4266907" y="5948140"/>
-            <a:ext cx="1390802" cy="685800"/>
+            <a:off x="3310228" y="5659375"/>
+            <a:ext cx="1343269" cy="516451"/>
           </a:xfrm>
           <a:prstGeom prst="ellipse">
             <a:avLst/>
@@ -3586,18 +3532,16 @@
         </p:spPr>
         <p:style>
           <a:lnRef idx="2">
-            <a:schemeClr val="accent3">
-              <a:shade val="50000"/>
-            </a:schemeClr>
+            <a:schemeClr val="dk1"/>
           </a:lnRef>
           <a:fillRef idx="1">
-            <a:schemeClr val="accent3"/>
+            <a:schemeClr val="lt1"/>
           </a:fillRef>
           <a:effectRef idx="0">
-            <a:schemeClr val="accent3"/>
+            <a:schemeClr val="dk1"/>
           </a:effectRef>
           <a:fontRef idx="minor">
-            <a:schemeClr val="lt1"/>
+            <a:schemeClr val="dk1"/>
           </a:fontRef>
         </p:style>
         <p:txBody>
@@ -3621,8 +3565,8 @@
         </p:nvSpPr>
         <p:spPr>
           <a:xfrm>
-            <a:off x="2553215" y="5399949"/>
-            <a:ext cx="1390802" cy="685800"/>
+            <a:off x="1992714" y="5015008"/>
+            <a:ext cx="1343269" cy="516451"/>
           </a:xfrm>
           <a:prstGeom prst="ellipse">
             <a:avLst/>
@@ -3630,18 +3574,16 @@
         </p:spPr>
         <p:style>
           <a:lnRef idx="2">
-            <a:schemeClr val="accent3">
-              <a:shade val="50000"/>
-            </a:schemeClr>
+            <a:schemeClr val="dk1"/>
           </a:lnRef>
           <a:fillRef idx="1">
-            <a:schemeClr val="accent3"/>
+            <a:schemeClr val="lt1"/>
           </a:fillRef>
           <a:effectRef idx="0">
-            <a:schemeClr val="accent3"/>
+            <a:schemeClr val="dk1"/>
           </a:effectRef>
           <a:fontRef idx="minor">
-            <a:schemeClr val="lt1"/>
+            <a:schemeClr val="dk1"/>
           </a:fontRef>
         </p:style>
         <p:txBody>
@@ -3650,10 +3592,10 @@
           <a:p>
             <a:pPr algn="ctr"/>
             <a:r>
-              <a:rPr lang="en-US" b="1" u="sng" dirty="0" smtClean="0"/>
+              <a:rPr lang="en-US" b="1" dirty="0" smtClean="0"/>
               <a:t>SKU</a:t>
             </a:r>
-            <a:endParaRPr lang="en-US" b="1" u="sng" dirty="0"/>
+            <a:endParaRPr lang="en-US" b="1" dirty="0"/>
           </a:p>
         </p:txBody>
       </p:sp>
@@ -3662,31 +3604,32 @@
           <p:cNvPr id="21" name="Straight Connector 20"/>
           <p:cNvCxnSpPr>
             <a:stCxn id="19" idx="0"/>
+            <a:endCxn id="6" idx="1"/>
           </p:cNvCxnSpPr>
           <p:nvPr/>
         </p:nvCxnSpPr>
         <p:spPr>
           <a:xfrm flipV="1">
-            <a:off x="3248616" y="4998964"/>
-            <a:ext cx="1126583" cy="400985"/>
+            <a:off x="2664349" y="4571389"/>
+            <a:ext cx="1373400" cy="443619"/>
           </a:xfrm>
           <a:prstGeom prst="line">
             <a:avLst/>
           </a:prstGeom>
-          <a:ln w="38100"/>
+          <a:ln/>
         </p:spPr>
         <p:style>
-          <a:lnRef idx="1">
-            <a:schemeClr val="accent5"/>
+          <a:lnRef idx="2">
+            <a:schemeClr val="dk1"/>
           </a:lnRef>
-          <a:fillRef idx="0">
-            <a:schemeClr val="accent5"/>
+          <a:fillRef idx="1">
+            <a:schemeClr val="lt1"/>
           </a:fillRef>
           <a:effectRef idx="0">
-            <a:schemeClr val="accent5"/>
+            <a:schemeClr val="dk1"/>
           </a:effectRef>
           <a:fontRef idx="minor">
-            <a:schemeClr val="tx1"/>
+            <a:schemeClr val="dk1"/>
           </a:fontRef>
         </p:style>
       </p:cxnSp>
@@ -3695,32 +3638,31 @@
           <p:cNvPr id="22" name="Straight Connector 21"/>
           <p:cNvCxnSpPr>
             <a:stCxn id="18" idx="0"/>
-            <a:endCxn id="6" idx="2"/>
           </p:cNvCxnSpPr>
           <p:nvPr/>
         </p:nvCxnSpPr>
         <p:spPr>
           <a:xfrm flipV="1">
-            <a:off x="4962308" y="4998963"/>
-            <a:ext cx="16277" cy="949177"/>
+            <a:off x="3981863" y="4826017"/>
+            <a:ext cx="808323" cy="833358"/>
           </a:xfrm>
           <a:prstGeom prst="line">
             <a:avLst/>
           </a:prstGeom>
-          <a:ln w="38100"/>
+          <a:ln/>
         </p:spPr>
         <p:style>
-          <a:lnRef idx="1">
-            <a:schemeClr val="accent5"/>
+          <a:lnRef idx="2">
+            <a:schemeClr val="dk1"/>
           </a:lnRef>
-          <a:fillRef idx="0">
-            <a:schemeClr val="accent5"/>
+          <a:fillRef idx="1">
+            <a:schemeClr val="lt1"/>
           </a:fillRef>
           <a:effectRef idx="0">
-            <a:schemeClr val="accent5"/>
+            <a:schemeClr val="dk1"/>
           </a:effectRef>
           <a:fontRef idx="minor">
-            <a:schemeClr val="tx1"/>
+            <a:schemeClr val="dk1"/>
           </a:fontRef>
         </p:style>
       </p:cxnSp>
@@ -3734,26 +3676,26 @@
         </p:nvCxnSpPr>
         <p:spPr>
           <a:xfrm flipH="1" flipV="1">
-            <a:off x="5610174" y="4998964"/>
-            <a:ext cx="1038153" cy="400985"/>
+            <a:off x="5236152" y="4829614"/>
+            <a:ext cx="744316" cy="833387"/>
           </a:xfrm>
           <a:prstGeom prst="line">
             <a:avLst/>
           </a:prstGeom>
-          <a:ln w="38100"/>
+          <a:ln/>
         </p:spPr>
         <p:style>
-          <a:lnRef idx="1">
-            <a:schemeClr val="accent5"/>
+          <a:lnRef idx="2">
+            <a:schemeClr val="dk1"/>
           </a:lnRef>
-          <a:fillRef idx="0">
-            <a:schemeClr val="accent5"/>
+          <a:fillRef idx="1">
+            <a:schemeClr val="lt1"/>
           </a:fillRef>
           <a:effectRef idx="0">
-            <a:schemeClr val="accent5"/>
+            <a:schemeClr val="dk1"/>
           </a:effectRef>
           <a:fontRef idx="minor">
-            <a:schemeClr val="tx1"/>
+            <a:schemeClr val="dk1"/>
           </a:fontRef>
         </p:style>
       </p:cxnSp>
@@ -3768,26 +3710,26 @@
         </p:nvCxnSpPr>
         <p:spPr>
           <a:xfrm flipH="1" flipV="1">
-            <a:off x="6956520" y="2412904"/>
-            <a:ext cx="825883" cy="387812"/>
+            <a:off x="6924366" y="2243555"/>
+            <a:ext cx="794875" cy="278580"/>
           </a:xfrm>
           <a:prstGeom prst="line">
             <a:avLst/>
           </a:prstGeom>
-          <a:ln w="38100"/>
+          <a:ln/>
         </p:spPr>
         <p:style>
-          <a:lnRef idx="1">
-            <a:schemeClr val="accent5"/>
+          <a:lnRef idx="2">
+            <a:schemeClr val="dk1"/>
           </a:lnRef>
-          <a:fillRef idx="0">
-            <a:schemeClr val="accent5"/>
+          <a:fillRef idx="1">
+            <a:schemeClr val="lt1"/>
           </a:fillRef>
           <a:effectRef idx="0">
-            <a:schemeClr val="accent5"/>
+            <a:schemeClr val="dk1"/>
           </a:effectRef>
           <a:fontRef idx="minor">
-            <a:schemeClr val="tx1"/>
+            <a:schemeClr val="dk1"/>
           </a:fontRef>
         </p:style>
       </p:cxnSp>
@@ -3795,33 +3737,32 @@
         <p:nvCxnSpPr>
           <p:cNvPr id="32" name="Straight Connector 31"/>
           <p:cNvCxnSpPr>
-            <a:stCxn id="5" idx="0"/>
             <a:endCxn id="15" idx="4"/>
           </p:cNvCxnSpPr>
           <p:nvPr/>
         </p:nvCxnSpPr>
         <p:spPr>
           <a:xfrm flipV="1">
-            <a:off x="6956520" y="1404382"/>
-            <a:ext cx="695401" cy="322722"/>
+            <a:off x="7321803" y="1461484"/>
+            <a:ext cx="1069073" cy="265620"/>
           </a:xfrm>
           <a:prstGeom prst="line">
             <a:avLst/>
           </a:prstGeom>
-          <a:ln w="38100"/>
+          <a:ln/>
         </p:spPr>
         <p:style>
-          <a:lnRef idx="1">
-            <a:schemeClr val="accent5"/>
+          <a:lnRef idx="2">
+            <a:schemeClr val="dk1"/>
           </a:lnRef>
-          <a:fillRef idx="0">
-            <a:schemeClr val="accent5"/>
+          <a:fillRef idx="1">
+            <a:schemeClr val="lt1"/>
           </a:fillRef>
           <a:effectRef idx="0">
-            <a:schemeClr val="accent5"/>
+            <a:schemeClr val="dk1"/>
           </a:effectRef>
           <a:fontRef idx="minor">
-            <a:schemeClr val="tx1"/>
+            <a:schemeClr val="dk1"/>
           </a:fontRef>
         </p:style>
       </p:cxnSp>
@@ -3836,26 +3777,26 @@
         </p:nvCxnSpPr>
         <p:spPr>
           <a:xfrm flipV="1">
-            <a:off x="3811907" y="1729796"/>
-            <a:ext cx="429519" cy="320519"/>
+            <a:off x="3791063" y="1585248"/>
+            <a:ext cx="443402" cy="380393"/>
           </a:xfrm>
           <a:prstGeom prst="line">
             <a:avLst/>
           </a:prstGeom>
-          <a:ln w="38100"/>
+          <a:ln/>
         </p:spPr>
         <p:style>
-          <a:lnRef idx="1">
-            <a:schemeClr val="accent5"/>
+          <a:lnRef idx="2">
+            <a:schemeClr val="dk1"/>
           </a:lnRef>
-          <a:fillRef idx="0">
-            <a:schemeClr val="accent5"/>
+          <a:fillRef idx="1">
+            <a:schemeClr val="lt1"/>
           </a:fillRef>
           <a:effectRef idx="0">
-            <a:schemeClr val="accent5"/>
+            <a:schemeClr val="dk1"/>
           </a:effectRef>
           <a:fontRef idx="minor">
-            <a:schemeClr val="tx1"/>
+            <a:schemeClr val="dk1"/>
           </a:fontRef>
         </p:style>
       </p:cxnSp>
@@ -3869,26 +3810,26 @@
         </p:nvCxnSpPr>
         <p:spPr>
           <a:xfrm flipH="1">
-            <a:off x="3031072" y="1112953"/>
-            <a:ext cx="535399" cy="594462"/>
+            <a:off x="3031074" y="943604"/>
+            <a:ext cx="511631" cy="763811"/>
           </a:xfrm>
           <a:prstGeom prst="line">
             <a:avLst/>
           </a:prstGeom>
-          <a:ln w="38100"/>
+          <a:ln/>
         </p:spPr>
         <p:style>
-          <a:lnRef idx="1">
-            <a:schemeClr val="accent5"/>
+          <a:lnRef idx="2">
+            <a:schemeClr val="dk1"/>
           </a:lnRef>
-          <a:fillRef idx="0">
-            <a:schemeClr val="accent5"/>
+          <a:fillRef idx="1">
+            <a:schemeClr val="lt1"/>
           </a:fillRef>
           <a:effectRef idx="0">
-            <a:schemeClr val="accent5"/>
+            <a:schemeClr val="dk1"/>
           </a:effectRef>
           <a:fontRef idx="minor">
-            <a:schemeClr val="tx1"/>
+            <a:schemeClr val="dk1"/>
           </a:fontRef>
         </p:style>
       </p:cxnSp>
@@ -3902,26 +3843,26 @@
         </p:nvCxnSpPr>
         <p:spPr>
           <a:xfrm>
-            <a:off x="1740782" y="1112953"/>
-            <a:ext cx="812433" cy="594462"/>
+            <a:off x="1717016" y="943604"/>
+            <a:ext cx="836199" cy="763811"/>
           </a:xfrm>
           <a:prstGeom prst="line">
             <a:avLst/>
           </a:prstGeom>
-          <a:ln w="38100"/>
+          <a:ln/>
         </p:spPr>
         <p:style>
-          <a:lnRef idx="1">
-            <a:schemeClr val="accent5"/>
+          <a:lnRef idx="2">
+            <a:schemeClr val="dk1"/>
           </a:lnRef>
-          <a:fillRef idx="0">
-            <a:schemeClr val="accent5"/>
+          <a:fillRef idx="1">
+            <a:schemeClr val="lt1"/>
           </a:fillRef>
           <a:effectRef idx="0">
-            <a:schemeClr val="accent5"/>
+            <a:schemeClr val="dk1"/>
           </a:effectRef>
           <a:fontRef idx="minor">
-            <a:schemeClr val="tx1"/>
+            <a:schemeClr val="dk1"/>
           </a:fontRef>
         </p:style>
       </p:cxnSp>
@@ -3936,26 +3877,26 @@
         </p:nvCxnSpPr>
         <p:spPr>
           <a:xfrm>
-            <a:off x="1344458" y="1830229"/>
-            <a:ext cx="585776" cy="220086"/>
+            <a:off x="1303886" y="1685681"/>
+            <a:ext cx="669813" cy="279960"/>
           </a:xfrm>
           <a:prstGeom prst="line">
             <a:avLst/>
           </a:prstGeom>
-          <a:ln w="38100"/>
+          <a:ln/>
         </p:spPr>
         <p:style>
-          <a:lnRef idx="1">
-            <a:schemeClr val="accent5"/>
+          <a:lnRef idx="2">
+            <a:schemeClr val="dk1"/>
           </a:lnRef>
-          <a:fillRef idx="0">
-            <a:schemeClr val="accent5"/>
+          <a:fillRef idx="1">
+            <a:schemeClr val="lt1"/>
           </a:fillRef>
           <a:effectRef idx="0">
-            <a:schemeClr val="accent5"/>
+            <a:schemeClr val="dk1"/>
           </a:effectRef>
           <a:fontRef idx="minor">
-            <a:schemeClr val="tx1"/>
+            <a:schemeClr val="dk1"/>
           </a:fontRef>
         </p:style>
       </p:cxnSp>
@@ -3967,8 +3908,8 @@
         </p:nvSpPr>
         <p:spPr>
           <a:xfrm>
-            <a:off x="4355000" y="2898232"/>
-            <a:ext cx="2039719" cy="999606"/>
+            <a:off x="4355001" y="2898232"/>
+            <a:ext cx="1970009" cy="752767"/>
           </a:xfrm>
           <a:prstGeom prst="diamond">
             <a:avLst/>
@@ -3976,18 +3917,16 @@
         </p:spPr>
         <p:style>
           <a:lnRef idx="2">
-            <a:schemeClr val="accent5">
-              <a:shade val="50000"/>
-            </a:schemeClr>
+            <a:schemeClr val="dk1"/>
           </a:lnRef>
           <a:fillRef idx="1">
-            <a:schemeClr val="accent5"/>
+            <a:schemeClr val="lt1"/>
           </a:fillRef>
           <a:effectRef idx="0">
-            <a:schemeClr val="accent5"/>
+            <a:schemeClr val="dk1"/>
           </a:effectRef>
           <a:fontRef idx="minor">
-            <a:schemeClr val="lt1"/>
+            <a:schemeClr val="dk1"/>
           </a:fontRef>
         </p:style>
         <p:txBody>
@@ -4018,60 +3957,29 @@
         </p:nvCxnSpPr>
         <p:spPr>
           <a:xfrm flipV="1">
-            <a:off x="4978585" y="3897838"/>
-            <a:ext cx="396275" cy="415325"/>
+            <a:off x="4946431" y="3650999"/>
+            <a:ext cx="393575" cy="662164"/>
           </a:xfrm>
           <a:prstGeom prst="line">
             <a:avLst/>
           </a:prstGeom>
-          <a:ln w="38100"/>
+          <a:ln/>
         </p:spPr>
         <p:style>
-          <a:lnRef idx="1">
-            <a:schemeClr val="accent5"/>
+          <a:lnRef idx="2">
+            <a:schemeClr val="dk1"/>
           </a:lnRef>
-          <a:fillRef idx="0">
-            <a:schemeClr val="accent5"/>
+          <a:fillRef idx="1">
+            <a:schemeClr val="lt1"/>
           </a:fillRef>
           <a:effectRef idx="0">
-            <a:schemeClr val="accent5"/>
+            <a:schemeClr val="dk1"/>
           </a:effectRef>
           <a:fontRef idx="minor">
-            <a:schemeClr val="tx1"/>
+            <a:schemeClr val="dk1"/>
           </a:fontRef>
         </p:style>
       </p:cxnSp>
-      <p:cxnSp>
-        <p:nvCxnSpPr>
-          <p:cNvPr id="49" name="Straight Connector 48"/>
-          <p:cNvCxnSpPr/>
-          <p:nvPr/>
-        </p:nvCxnSpPr>
-        <p:spPr>
-          <a:xfrm flipV="1">
-            <a:off x="5387726" y="2422117"/>
-            <a:ext cx="627957" cy="465575"/>
-          </a:xfrm>
-          <a:prstGeom prst="line">
-            <a:avLst/>
-          </a:prstGeom>
-          <a:ln w="38100"/>
-        </p:spPr>
-        <p:style>
-          <a:lnRef idx="1">
-            <a:schemeClr val="accent5"/>
-          </a:lnRef>
-          <a:fillRef idx="0">
-            <a:schemeClr val="accent5"/>
-          </a:fillRef>
-          <a:effectRef idx="0">
-            <a:schemeClr val="accent5"/>
-          </a:effectRef>
-          <a:fontRef idx="minor">
-            <a:schemeClr val="tx1"/>
-          </a:fontRef>
-        </p:style>
-      </p:cxnSp>
       <p:sp>
         <p:nvSpPr>
           <p:cNvPr id="67" name="Diamond 66"/>
@@ -4080,8 +3988,8 @@
         </p:nvSpPr>
         <p:spPr>
           <a:xfrm>
-            <a:off x="878227" y="2952264"/>
-            <a:ext cx="2039719" cy="880856"/>
+            <a:off x="878228" y="2952264"/>
+            <a:ext cx="1970009" cy="663341"/>
           </a:xfrm>
           <a:prstGeom prst="diamond">
             <a:avLst/>
@@ -4089,18 +3997,16 @@
         </p:spPr>
         <p:style>
           <a:lnRef idx="2">
-            <a:schemeClr val="accent5">
-              <a:shade val="50000"/>
-            </a:schemeClr>
+            <a:schemeClr val="dk1"/>
           </a:lnRef>
           <a:fillRef idx="1">
-            <a:schemeClr val="accent5"/>
+            <a:schemeClr val="lt1"/>
           </a:fillRef>
           <a:effectRef idx="0">
-            <a:schemeClr val="accent5"/>
+            <a:schemeClr val="dk1"/>
           </a:effectRef>
           <a:fontRef idx="minor">
-            <a:schemeClr val="lt1"/>
+            <a:schemeClr val="dk1"/>
           </a:fontRef>
         </p:style>
         <p:txBody>
@@ -4127,26 +4033,26 @@
         </p:nvCxnSpPr>
         <p:spPr>
           <a:xfrm flipV="1">
-            <a:off x="1898087" y="2393215"/>
-            <a:ext cx="972984" cy="559049"/>
+            <a:off x="1863233" y="2223866"/>
+            <a:ext cx="1019148" cy="728398"/>
           </a:xfrm>
           <a:prstGeom prst="line">
             <a:avLst/>
           </a:prstGeom>
-          <a:ln w="38100"/>
+          <a:ln/>
         </p:spPr>
         <p:style>
-          <a:lnRef idx="1">
-            <a:schemeClr val="accent5"/>
+          <a:lnRef idx="2">
+            <a:schemeClr val="dk1"/>
           </a:lnRef>
-          <a:fillRef idx="0">
-            <a:schemeClr val="accent5"/>
+          <a:fillRef idx="1">
+            <a:schemeClr val="lt1"/>
           </a:fillRef>
           <a:effectRef idx="0">
-            <a:schemeClr val="accent5"/>
+            <a:schemeClr val="dk1"/>
           </a:effectRef>
           <a:fontRef idx="minor">
-            <a:schemeClr val="tx1"/>
+            <a:schemeClr val="dk1"/>
           </a:fontRef>
         </p:style>
       </p:cxnSp>
@@ -4154,30 +4060,103 @@
         <p:nvCxnSpPr>
           <p:cNvPr id="78" name="Straight Connector 77"/>
           <p:cNvCxnSpPr>
-            <a:stCxn id="6" idx="1"/>
             <a:endCxn id="67" idx="3"/>
           </p:cNvCxnSpPr>
           <p:nvPr/>
         </p:nvCxnSpPr>
         <p:spPr>
           <a:xfrm flipH="1" flipV="1">
-            <a:off x="2917946" y="3392692"/>
-            <a:ext cx="1119802" cy="1263371"/>
+            <a:off x="2848237" y="3283935"/>
+            <a:ext cx="1275270" cy="1029228"/>
           </a:xfrm>
           <a:prstGeom prst="line">
             <a:avLst/>
           </a:prstGeom>
-          <a:ln w="38100"/>
+          <a:ln/>
         </p:spPr>
         <p:style>
-          <a:lnRef idx="1">
-            <a:schemeClr val="accent5"/>
+          <a:lnRef idx="2">
+            <a:schemeClr val="dk1"/>
+          </a:lnRef>
+          <a:fillRef idx="1">
+            <a:schemeClr val="lt1"/>
+          </a:fillRef>
+          <a:effectRef idx="0">
+            <a:schemeClr val="dk1"/>
+          </a:effectRef>
+          <a:fontRef idx="minor">
+            <a:schemeClr val="dk1"/>
+          </a:fontRef>
+        </p:style>
+      </p:cxnSp>
+      <p:sp>
+        <p:nvSpPr>
+          <p:cNvPr id="119" name="Arc 118"/>
+          <p:cNvSpPr/>
+          <p:nvPr/>
+        </p:nvSpPr>
+        <p:spPr>
+          <a:xfrm rot="3082927">
+            <a:off x="5707588" y="2207988"/>
+            <a:ext cx="279320" cy="383725"/>
+          </a:xfrm>
+          <a:prstGeom prst="arc">
+            <a:avLst>
+              <a:gd name="adj1" fmla="val 10903037"/>
+              <a:gd name="adj2" fmla="val 20046158"/>
+            </a:avLst>
+          </a:prstGeom>
+          <a:ln/>
+        </p:spPr>
+        <p:style>
+          <a:lnRef idx="2">
+            <a:schemeClr val="dk1"/>
+          </a:lnRef>
+          <a:fillRef idx="1">
+            <a:schemeClr val="lt1"/>
+          </a:fillRef>
+          <a:effectRef idx="0">
+            <a:schemeClr val="dk1"/>
+          </a:effectRef>
+          <a:fontRef idx="minor">
+            <a:schemeClr val="dk1"/>
+          </a:fontRef>
+        </p:style>
+        <p:txBody>
+          <a:bodyPr rtlCol="0" anchor="ctr"/>
+          <a:lstStyle/>
+          <a:p>
+            <a:pPr algn="ctr"/>
+            <a:endParaRPr lang="en-US"/>
+          </a:p>
+        </p:txBody>
+      </p:sp>
+      <p:cxnSp>
+        <p:nvCxnSpPr>
+          <p:cNvPr id="23" name="Straight Connector 22"/>
+          <p:cNvCxnSpPr>
+            <a:stCxn id="43" idx="0"/>
+          </p:cNvCxnSpPr>
+          <p:nvPr/>
+        </p:nvCxnSpPr>
+        <p:spPr>
+          <a:xfrm flipV="1">
+            <a:off x="5340006" y="2243555"/>
+            <a:ext cx="675678" cy="654677"/>
+          </a:xfrm>
+          <a:prstGeom prst="line">
+            <a:avLst/>
+          </a:prstGeom>
+        </p:spPr>
+        <p:style>
+          <a:lnRef idx="2">
+            <a:schemeClr val="dk1"/>
           </a:lnRef>
           <a:fillRef idx="0">
-            <a:schemeClr val="accent5"/>
+            <a:schemeClr val="dk1"/>
           </a:fillRef>
-          <a:effectRef idx="0">
-            <a:schemeClr val="accent5"/>
+          <a:effectRef idx="1">
+            <a:schemeClr val="dk1"/>
           </a:effectRef>
           <a:fontRef idx="minor">
             <a:schemeClr val="tx1"/>
@@ -4186,35 +4165,31 @@
       </p:cxnSp>
       <p:sp>
         <p:nvSpPr>
-          <p:cNvPr id="119" name="Arc 118"/>
+          <p:cNvPr id="46" name="Oval 45"/>
           <p:cNvSpPr/>
           <p:nvPr/>
         </p:nvSpPr>
         <p:spPr>
-          <a:xfrm rot="3082927">
-            <a:off x="5702994" y="2372111"/>
-            <a:ext cx="370912" cy="397304"/>
-          </a:xfrm>
-          <a:prstGeom prst="arc">
-            <a:avLst>
-              <a:gd name="adj1" fmla="val 10903037"/>
-              <a:gd name="adj2" fmla="val 20046158"/>
-            </a:avLst>
+          <a:xfrm>
+            <a:off x="5952925" y="685378"/>
+            <a:ext cx="1343269" cy="516451"/>
+          </a:xfrm>
+          <a:prstGeom prst="ellipse">
+            <a:avLst/>
           </a:prstGeom>
-          <a:ln w="38100"/>
         </p:spPr>
         <p:style>
-          <a:lnRef idx="1">
-            <a:schemeClr val="accent5"/>
+          <a:lnRef idx="2">
+            <a:schemeClr val="dk1"/>
           </a:lnRef>
-          <a:fillRef idx="0">
-            <a:schemeClr val="accent5"/>
+          <a:fillRef idx="1">
+            <a:schemeClr val="lt1"/>
           </a:fillRef>
           <a:effectRef idx="0">
-            <a:schemeClr val="accent5"/>
+            <a:schemeClr val="dk1"/>
           </a:effectRef>
           <a:fontRef idx="minor">
-            <a:schemeClr val="tx1"/>
+            <a:schemeClr val="dk1"/>
           </a:fontRef>
         </p:style>
         <p:txBody>
@@ -4222,10 +4197,165 @@
           <a:lstStyle/>
           <a:p>
             <a:pPr algn="ctr"/>
-            <a:endParaRPr lang="en-US"/>
-          </a:p>
-        </p:txBody>
-      </p:sp>
+            <a:r>
+              <a:rPr lang="en-US" b="1" u="sng" dirty="0" smtClean="0"/>
+              <a:t>ID</a:t>
+            </a:r>
+            <a:endParaRPr lang="en-US" b="1" u="sng" dirty="0"/>
+          </a:p>
+        </p:txBody>
+      </p:sp>
+      <p:cxnSp>
+        <p:nvCxnSpPr>
+          <p:cNvPr id="47" name="Straight Connector 46"/>
+          <p:cNvCxnSpPr>
+            <a:endCxn id="46" idx="4"/>
+          </p:cNvCxnSpPr>
+          <p:nvPr/>
+        </p:nvCxnSpPr>
+        <p:spPr>
+          <a:xfrm flipV="1">
+            <a:off x="6541005" y="1201829"/>
+            <a:ext cx="83555" cy="505586"/>
+          </a:xfrm>
+          <a:prstGeom prst="line">
+            <a:avLst/>
+          </a:prstGeom>
+          <a:ln/>
+        </p:spPr>
+        <p:style>
+          <a:lnRef idx="2">
+            <a:schemeClr val="dk1"/>
+          </a:lnRef>
+          <a:fillRef idx="1">
+            <a:schemeClr val="lt1"/>
+          </a:fillRef>
+          <a:effectRef idx="0">
+            <a:schemeClr val="dk1"/>
+          </a:effectRef>
+          <a:fontRef idx="minor">
+            <a:schemeClr val="dk1"/>
+          </a:fontRef>
+        </p:style>
+      </p:cxnSp>
+      <p:sp>
+        <p:nvSpPr>
+          <p:cNvPr id="52" name="Oval 51"/>
+          <p:cNvSpPr/>
+          <p:nvPr/>
+        </p:nvSpPr>
+        <p:spPr>
+          <a:xfrm>
+            <a:off x="206593" y="2039932"/>
+            <a:ext cx="1343269" cy="516451"/>
+          </a:xfrm>
+          <a:prstGeom prst="ellipse">
+            <a:avLst/>
+          </a:prstGeom>
+        </p:spPr>
+        <p:style>
+          <a:lnRef idx="2">
+            <a:schemeClr val="dk1"/>
+          </a:lnRef>
+          <a:fillRef idx="1">
+            <a:schemeClr val="lt1"/>
+          </a:fillRef>
+          <a:effectRef idx="0">
+            <a:schemeClr val="dk1"/>
+          </a:effectRef>
+          <a:fontRef idx="minor">
+            <a:schemeClr val="dk1"/>
+          </a:fontRef>
+        </p:style>
+        <p:txBody>
+          <a:bodyPr rtlCol="0" anchor="ctr"/>
+          <a:lstStyle/>
+          <a:p>
+            <a:pPr algn="ctr"/>
+            <a:r>
+              <a:rPr lang="en-US" b="1" u="sng" dirty="0" smtClean="0"/>
+              <a:t>ID</a:t>
+            </a:r>
+            <a:endParaRPr lang="en-US" b="1" u="sng" dirty="0"/>
+          </a:p>
+        </p:txBody>
+      </p:sp>
+      <p:sp>
+        <p:nvSpPr>
+          <p:cNvPr id="59" name="Oval 58"/>
+          <p:cNvSpPr/>
+          <p:nvPr/>
+        </p:nvSpPr>
+        <p:spPr>
+          <a:xfrm>
+            <a:off x="6652102" y="5015009"/>
+            <a:ext cx="1343269" cy="516451"/>
+          </a:xfrm>
+          <a:prstGeom prst="ellipse">
+            <a:avLst/>
+          </a:prstGeom>
+        </p:spPr>
+        <p:style>
+          <a:lnRef idx="2">
+            <a:schemeClr val="dk1"/>
+          </a:lnRef>
+          <a:fillRef idx="1">
+            <a:schemeClr val="lt1"/>
+          </a:fillRef>
+          <a:effectRef idx="0">
+            <a:schemeClr val="dk1"/>
+          </a:effectRef>
+          <a:fontRef idx="minor">
+            <a:schemeClr val="dk1"/>
+          </a:fontRef>
+        </p:style>
+        <p:txBody>
+          <a:bodyPr rtlCol="0" anchor="ctr"/>
+          <a:lstStyle/>
+          <a:p>
+            <a:pPr algn="ctr"/>
+            <a:r>
+              <a:rPr lang="en-US" b="1" u="sng" dirty="0" smtClean="0"/>
+              <a:t>ID</a:t>
+            </a:r>
+            <a:endParaRPr lang="en-US" b="1" u="sng" dirty="0"/>
+          </a:p>
+        </p:txBody>
+      </p:sp>
+      <p:cxnSp>
+        <p:nvCxnSpPr>
+          <p:cNvPr id="60" name="Straight Connector 59"/>
+          <p:cNvCxnSpPr>
+            <a:stCxn id="59" idx="0"/>
+            <a:endCxn id="6" idx="3"/>
+          </p:cNvCxnSpPr>
+          <p:nvPr/>
+        </p:nvCxnSpPr>
+        <p:spPr>
+          <a:xfrm flipH="1" flipV="1">
+            <a:off x="5855113" y="4571389"/>
+            <a:ext cx="1468624" cy="443620"/>
+          </a:xfrm>
+          <a:prstGeom prst="line">
+            <a:avLst/>
+          </a:prstGeom>
+          <a:ln/>
+        </p:spPr>
+        <p:style>
+          <a:lnRef idx="2">
+            <a:schemeClr val="dk1"/>
+          </a:lnRef>
+          <a:fillRef idx="1">
+            <a:schemeClr val="lt1"/>
+          </a:fillRef>
+          <a:effectRef idx="0">
+            <a:schemeClr val="dk1"/>
+          </a:effectRef>
+          <a:fontRef idx="minor">
+            <a:schemeClr val="dk1"/>
+          </a:fontRef>
+        </p:style>
+      </p:cxnSp>
     </p:spTree>
     <p:extLst>
       <p:ext uri="{BB962C8B-B14F-4D97-AF65-F5344CB8AC3E}">
